--- a/doc/G-suite review ppt.pptx
+++ b/doc/G-suite review ppt.pptx
@@ -4148,7 +4148,7 @@
           <a:p>
             <a:r>
               <a:rPr lang="en-US" sz="2500" dirty="0"/>
-              <a:t>                     Lavanya Goluguri			Dr. Sowmya Mohanty </a:t>
+              <a:t>                    Lavanya Goluguri			Dr. Sowmya Mohanty </a:t>
             </a:r>
           </a:p>
           <a:p>
@@ -4227,12 +4227,7 @@
             <p:ph type="title"/>
           </p:nvPr>
         </p:nvSpPr>
-        <p:spPr>
-          <a:xfrm>
-            <a:off x="448965" y="281175"/>
-            <a:ext cx="8246070" cy="610820"/>
-          </a:xfrm>
-        </p:spPr>
+        <p:spPr/>
         <p:txBody>
           <a:bodyPr>
             <a:noAutofit/>
@@ -4258,13 +4253,30 @@
         </p:nvSpPr>
         <p:spPr/>
         <p:txBody>
-          <a:bodyPr/>
+          <a:bodyPr>
+            <a:normAutofit fontScale="85000" lnSpcReduction="20000"/>
+          </a:bodyPr>
           <a:lstStyle/>
           <a:p>
             <a:endParaRPr lang="en-US" dirty="0"/>
           </a:p>
           <a:p>
-            <a:endParaRPr lang="en-US" dirty="0"/>
+            <a:r>
+              <a:rPr lang="en-US" dirty="0"/>
+              <a:t>G Suite is a set of cloud computing, productivity and collaboration tools, software and products developed by Google. </a:t>
+            </a:r>
+          </a:p>
+          <a:p>
+            <a:r>
+              <a:rPr lang="en-US" dirty="0"/>
+              <a:t>G Suite comprises Gmail, Drive, Docs, Calendar, Hangouts Chat, Hangouts Meet, Mobile, Voice, Slides, Sites, Sheets, Keep and Tasks, Groups, Google+, Forms, Contacts, Cloud Search, Chrome Browser. </a:t>
+            </a:r>
+          </a:p>
+          <a:p>
+            <a:r>
+              <a:rPr lang="en-US" dirty="0"/>
+              <a:t>Currently, Source Data for Google (G Suite) report metrics is pulled automatically into Splunk from Google on daily basis.</a:t>
+            </a:r>
           </a:p>
         </p:txBody>
       </p:sp>
@@ -4501,7 +4513,58 @@
           <a:bodyPr/>
           <a:lstStyle/>
           <a:p>
-            <a:endParaRPr lang="en-US" dirty="0"/>
+            <a:r>
+              <a:rPr lang="en-US" dirty="0"/>
+              <a:t>Year wise analysis (Anusha Vanama)</a:t>
+            </a:r>
+          </a:p>
+          <a:p>
+            <a:r>
+              <a:rPr lang="en-US" dirty="0"/>
+              <a:t>Month wise analysis (Lavanya </a:t>
+            </a:r>
+            <a:r>
+              <a:rPr lang="en-US" dirty="0" err="1"/>
+              <a:t>Goluguri</a:t>
+            </a:r>
+            <a:r>
+              <a:rPr lang="en-US" dirty="0"/>
+              <a:t>)</a:t>
+            </a:r>
+          </a:p>
+          <a:p>
+            <a:r>
+              <a:rPr lang="en-US" dirty="0"/>
+              <a:t>Week wise analysis (Jackie </a:t>
+            </a:r>
+            <a:r>
+              <a:rPr lang="en-US" dirty="0" err="1"/>
+              <a:t>Cuong</a:t>
+            </a:r>
+            <a:r>
+              <a:rPr lang="en-US" dirty="0"/>
+              <a:t>)</a:t>
+            </a:r>
+          </a:p>
+          <a:p>
+            <a:r>
+              <a:rPr lang="en-US" dirty="0"/>
+              <a:t>Day wise analysis (</a:t>
+            </a:r>
+            <a:r>
+              <a:rPr lang="en-US" dirty="0" err="1"/>
+              <a:t>Hieu</a:t>
+            </a:r>
+            <a:r>
+              <a:rPr lang="en-US" dirty="0"/>
+              <a:t> Vo)</a:t>
+            </a:r>
+          </a:p>
+          <a:p>
+            <a:r>
+              <a:rPr lang="en-US" dirty="0"/>
+              <a:t>Semester wise analysis (Henry Reichard)</a:t>
+            </a:r>
           </a:p>
         </p:txBody>
       </p:sp>

--- a/doc/G-suite review ppt.pptx
+++ b/doc/G-suite review ppt.pptx
@@ -5571,12 +5571,38 @@
             </a:pPr>
             <a:r>
               <a:rPr lang="en-US" dirty="0"/>
-              <a:t>This is a tool provided by Google </a:t>
-            </a:r>
-            <a:r>
-              <a:rPr lang="en-US"/>
-              <a:t>itself where  provides detailed metrics on your organization's G Suite usage. </a:t>
-            </a:r>
+              <a:t>This is a tool provided by Google itself where  provides detailed metrics on your organization's G Suite usage. </a:t>
+            </a:r>
+          </a:p>
+          <a:p>
+            <a:r>
+              <a:rPr lang="en-US" dirty="0" err="1"/>
+              <a:t>Zoho</a:t>
+            </a:r>
+            <a:r>
+              <a:rPr lang="en-US" dirty="0"/>
+              <a:t> Workplace is a fully-featured online office suite</a:t>
+            </a:r>
+          </a:p>
+          <a:p>
+            <a:pPr marL="0" indent="0">
+              <a:buNone/>
+            </a:pPr>
+            <a:r>
+              <a:rPr lang="en-US" dirty="0"/>
+              <a:t>that collaborates on documents, spreadsheets, and presentations and we get insights on it from Zia- AI assistant.</a:t>
+            </a:r>
+          </a:p>
+          <a:p>
+            <a:pPr marL="0" indent="0">
+              <a:buNone/>
+            </a:pPr>
+            <a:endParaRPr lang="en-US" dirty="0"/>
+          </a:p>
+          <a:p>
+            <a:pPr marL="0" indent="0">
+              <a:buNone/>
+            </a:pPr>
             <a:endParaRPr lang="en-US" dirty="0"/>
           </a:p>
           <a:p>

--- a/doc/G-suite review ppt.pptx
+++ b/doc/G-suite review ppt.pptx
@@ -4616,14 +4616,130 @@
           <a:p>
             <a:pPr/>
             <a:r>
-              <a:t>TASKS FOR EACH MEMBER</a:t>
+              <a:t>RELATED WORK BY OTHERS</a:t>
             </a:r>
           </a:p>
         </p:txBody>
       </p:sp>
       <p:sp>
         <p:nvSpPr>
-          <p:cNvPr id="140" name="Rectangle 1"/>
+          <p:cNvPr id="140" name="Content Placeholder 2"/>
+          <p:cNvSpPr txBox="1"/>
+          <p:nvPr>
+            <p:ph type="body" idx="1"/>
+          </p:nvPr>
+        </p:nvSpPr>
+        <p:spPr>
+          <a:xfrm>
+            <a:off x="448965" y="1197404"/>
+            <a:ext cx="8246072" cy="3512212"/>
+          </a:xfrm>
+          <a:prstGeom prst="rect">
+            <a:avLst/>
+          </a:prstGeom>
+        </p:spPr>
+        <p:txBody>
+          <a:bodyPr/>
+          <a:lstStyle/>
+          <a:p>
+            <a:pPr marL="315468" indent="-315468" defTabSz="841247">
+              <a:defRPr sz="2576"/>
+            </a:pPr>
+            <a:r>
+              <a:t>Work Insights:</a:t>
+            </a:r>
+          </a:p>
+          <a:p>
+            <a:pPr marL="0" indent="0" defTabSz="841247">
+              <a:buSzTx/>
+              <a:buNone/>
+              <a:defRPr sz="2576"/>
+            </a:pPr>
+            <a:r>
+              <a:t>This is a tool provided by Google itself where  provides detailed metrics on your organization's G Suite usage. </a:t>
+            </a:r>
+          </a:p>
+          <a:p>
+            <a:pPr marL="315468" indent="-315468" defTabSz="841247">
+              <a:defRPr sz="2576"/>
+            </a:pPr>
+            <a:r>
+              <a:t>Zoho Workplace is a fully-featured online office suite</a:t>
+            </a:r>
+          </a:p>
+          <a:p>
+            <a:pPr marL="0" indent="0" defTabSz="841247">
+              <a:buSzTx/>
+              <a:buNone/>
+              <a:defRPr sz="2576"/>
+            </a:pPr>
+            <a:r>
+              <a:t>that collaborates on documents, spreadsheets, and presentations and we get insights on it from Zia- AI assistant.</a:t>
+            </a:r>
+          </a:p>
+        </p:txBody>
+      </p:sp>
+    </p:spTree>
+  </p:cSld>
+  <p:clrMapOvr>
+    <a:masterClrMapping/>
+  </p:clrMapOvr>
+  <p:transition xmlns:p14="http://schemas.microsoft.com/office/powerpoint/2010/main" spd="med" advClick="1"/>
+</p:sld>
+</file>
+
+<file path=ppt/slides/slide6.xml><?xml version="1.0" encoding="utf-8"?>
+<p:sld xmlns:a="http://schemas.openxmlformats.org/drawingml/2006/main" xmlns:r="http://schemas.openxmlformats.org/officeDocument/2006/relationships" xmlns:p="http://schemas.openxmlformats.org/presentationml/2006/main" xmlns:m="http://schemas.openxmlformats.org/officeDocument/2006/math" xmlns:a14="http://schemas.microsoft.com/office/drawing/2010/main" showMasterSp="1" showMasterPhAnim="1">
+  <p:cSld>
+    <p:spTree>
+      <p:nvGrpSpPr>
+        <p:cNvPr id="1" name=""/>
+        <p:cNvGrpSpPr/>
+        <p:nvPr/>
+      </p:nvGrpSpPr>
+      <p:grpSpPr>
+        <a:xfrm>
+          <a:off x="0" y="0"/>
+          <a:ext cx="0" cy="0"/>
+          <a:chOff x="0" y="0"/>
+          <a:chExt cx="0" cy="0"/>
+        </a:xfrm>
+      </p:grpSpPr>
+      <p:sp>
+        <p:nvSpPr>
+          <p:cNvPr id="142" name="Title 1"/>
+          <p:cNvSpPr txBox="1"/>
+          <p:nvPr>
+            <p:ph type="title"/>
+          </p:nvPr>
+        </p:nvSpPr>
+        <p:spPr>
+          <a:xfrm>
+            <a:off x="448964" y="281174"/>
+            <a:ext cx="8246072" cy="610822"/>
+          </a:xfrm>
+          <a:prstGeom prst="rect">
+            <a:avLst/>
+          </a:prstGeom>
+        </p:spPr>
+        <p:txBody>
+          <a:bodyPr/>
+          <a:lstStyle>
+            <a:lvl1pPr>
+              <a:defRPr sz="3200"/>
+            </a:lvl1pPr>
+          </a:lstStyle>
+          <a:p>
+            <a:pPr/>
+            <a:r>
+              <a:t>TASKS FOR EACH MEMBER</a:t>
+            </a:r>
+          </a:p>
+        </p:txBody>
+      </p:sp>
+      <p:sp>
+        <p:nvSpPr>
+          <p:cNvPr id="143" name="Rectangle 1"/>
           <p:cNvSpPr txBox="1"/>
           <p:nvPr/>
         </p:nvSpPr>
@@ -4666,7 +4782,7 @@
       </p:sp>
       <p:sp>
         <p:nvSpPr>
-          <p:cNvPr id="141" name="Content Placeholder 5"/>
+          <p:cNvPr id="144" name="Content Placeholder 5"/>
           <p:cNvSpPr txBox="1"/>
           <p:nvPr>
             <p:ph type="body" idx="1"/>
@@ -4725,7 +4841,7 @@
 </p:sld>
 </file>
 
-<file path=ppt/slides/slide6.xml><?xml version="1.0" encoding="utf-8"?>
+<file path=ppt/slides/slide7.xml><?xml version="1.0" encoding="utf-8"?>
 <p:sld xmlns:a="http://schemas.openxmlformats.org/drawingml/2006/main" xmlns:r="http://schemas.openxmlformats.org/officeDocument/2006/relationships" xmlns:p="http://schemas.openxmlformats.org/presentationml/2006/main" xmlns:m="http://schemas.openxmlformats.org/officeDocument/2006/math" xmlns:a14="http://schemas.microsoft.com/office/drawing/2010/main" showMasterSp="1" showMasterPhAnim="1">
   <p:cSld>
     <p:spTree>
@@ -4744,7 +4860,7 @@
       </p:grpSpPr>
       <p:sp>
         <p:nvSpPr>
-          <p:cNvPr id="143" name="Title 1"/>
+          <p:cNvPr id="146" name="Title 1"/>
           <p:cNvSpPr txBox="1"/>
           <p:nvPr>
             <p:ph type="title"/>
@@ -4776,7 +4892,7 @@
       </p:sp>
       <p:sp>
         <p:nvSpPr>
-          <p:cNvPr id="144" name="Rectangle 1"/>
+          <p:cNvPr id="147" name="Rectangle 1"/>
           <p:cNvSpPr txBox="1"/>
           <p:nvPr/>
         </p:nvSpPr>
@@ -4819,7 +4935,7 @@
       </p:sp>
       <p:sp>
         <p:nvSpPr>
-          <p:cNvPr id="145" name="Content Placeholder 5"/>
+          <p:cNvPr id="148" name="Content Placeholder 5"/>
           <p:cNvSpPr txBox="1"/>
           <p:nvPr>
             <p:ph type="body" idx="1"/>
@@ -4852,123 +4968,7 @@
           <a:p>
             <a:pPr/>
             <a:r>
-              <a:t>Heui Vo: Focuses on day by day analysis</a:t>
-            </a:r>
-          </a:p>
-        </p:txBody>
-      </p:sp>
-    </p:spTree>
-  </p:cSld>
-  <p:clrMapOvr>
-    <a:masterClrMapping/>
-  </p:clrMapOvr>
-  <p:transition xmlns:p14="http://schemas.microsoft.com/office/powerpoint/2010/main" spd="med" advClick="1"/>
-</p:sld>
-</file>
-
-<file path=ppt/slides/slide7.xml><?xml version="1.0" encoding="utf-8"?>
-<p:sld xmlns:a="http://schemas.openxmlformats.org/drawingml/2006/main" xmlns:r="http://schemas.openxmlformats.org/officeDocument/2006/relationships" xmlns:p="http://schemas.openxmlformats.org/presentationml/2006/main" xmlns:m="http://schemas.openxmlformats.org/officeDocument/2006/math" xmlns:a14="http://schemas.microsoft.com/office/drawing/2010/main" showMasterSp="1" showMasterPhAnim="1">
-  <p:cSld>
-    <p:spTree>
-      <p:nvGrpSpPr>
-        <p:cNvPr id="1" name=""/>
-        <p:cNvGrpSpPr/>
-        <p:nvPr/>
-      </p:nvGrpSpPr>
-      <p:grpSpPr>
-        <a:xfrm>
-          <a:off x="0" y="0"/>
-          <a:ext cx="0" cy="0"/>
-          <a:chOff x="0" y="0"/>
-          <a:chExt cx="0" cy="0"/>
-        </a:xfrm>
-      </p:grpSpPr>
-      <p:sp>
-        <p:nvSpPr>
-          <p:cNvPr id="147" name="Title 1"/>
-          <p:cNvSpPr txBox="1"/>
-          <p:nvPr>
-            <p:ph type="title"/>
-          </p:nvPr>
-        </p:nvSpPr>
-        <p:spPr>
-          <a:xfrm>
-            <a:off x="448964" y="281174"/>
-            <a:ext cx="8246072" cy="610822"/>
-          </a:xfrm>
-          <a:prstGeom prst="rect">
-            <a:avLst/>
-          </a:prstGeom>
-        </p:spPr>
-        <p:txBody>
-          <a:bodyPr/>
-          <a:lstStyle>
-            <a:lvl1pPr>
-              <a:defRPr sz="3200"/>
-            </a:lvl1pPr>
-          </a:lstStyle>
-          <a:p>
-            <a:pPr/>
-            <a:r>
-              <a:t>RELATED WORK BY OTHERS</a:t>
-            </a:r>
-          </a:p>
-        </p:txBody>
-      </p:sp>
-      <p:sp>
-        <p:nvSpPr>
-          <p:cNvPr id="148" name="Content Placeholder 2"/>
-          <p:cNvSpPr txBox="1"/>
-          <p:nvPr>
-            <p:ph type="body" idx="1"/>
-          </p:nvPr>
-        </p:nvSpPr>
-        <p:spPr>
-          <a:xfrm>
-            <a:off x="448965" y="1197404"/>
-            <a:ext cx="8246072" cy="3512212"/>
-          </a:xfrm>
-          <a:prstGeom prst="rect">
-            <a:avLst/>
-          </a:prstGeom>
-        </p:spPr>
-        <p:txBody>
-          <a:bodyPr/>
-          <a:lstStyle/>
-          <a:p>
-            <a:pPr marL="315468" indent="-315468" defTabSz="841247">
-              <a:defRPr sz="2576"/>
-            </a:pPr>
-            <a:r>
-              <a:t>Work Insights:</a:t>
-            </a:r>
-          </a:p>
-          <a:p>
-            <a:pPr marL="0" indent="0" defTabSz="841247">
-              <a:buSzTx/>
-              <a:buNone/>
-              <a:defRPr sz="2576"/>
-            </a:pPr>
-            <a:r>
-              <a:t>This is a tool provided by Google itself where  provides detailed metrics on your organization's G Suite usage. </a:t>
-            </a:r>
-          </a:p>
-          <a:p>
-            <a:pPr marL="315468" indent="-315468" defTabSz="841247">
-              <a:defRPr sz="2576"/>
-            </a:pPr>
-            <a:r>
-              <a:t>Zoho Workplace is a fully-featured online office suite</a:t>
-            </a:r>
-          </a:p>
-          <a:p>
-            <a:pPr marL="0" indent="0" defTabSz="841247">
-              <a:buSzTx/>
-              <a:buNone/>
-              <a:defRPr sz="2576"/>
-            </a:pPr>
-            <a:r>
-              <a:t>that collaborates on documents, spreadsheets, and presentations and we get insights on it from Zia- AI assistant.</a:t>
+              <a:t>Hieu Vo: Focuses on day by day analysis</a:t>
             </a:r>
           </a:p>
         </p:txBody>

--- a/doc/G-suite review ppt.pptx
+++ b/doc/G-suite review ppt.pptx
@@ -12,9 +12,9 @@
     <p:sldId id="257" r:id="rId3"/>
     <p:sldId id="258" r:id="rId4"/>
     <p:sldId id="259" r:id="rId5"/>
-    <p:sldId id="261" r:id="rId6"/>
-    <p:sldId id="260" r:id="rId7"/>
-    <p:sldId id="263" r:id="rId8"/>
+    <p:sldId id="260" r:id="rId6"/>
+    <p:sldId id="263" r:id="rId7"/>
+    <p:sldId id="261" r:id="rId8"/>
   </p:sldIdLst>
   <p:sldSz cx="9144000" cy="5143500" type="screen16x9"/>
   <p:notesSz cx="6858000" cy="9144000"/>
@@ -214,7 +214,7 @@
           <a:p>
             <a:fld id="{A40759B3-20ED-419A-A77D-71AE35F06108}" type="datetimeFigureOut">
               <a:rPr lang="en-US" smtClean="0"/>
-              <a:t>9/24/2019</a:t>
+              <a:t>9/25/2019</a:t>
             </a:fld>
             <a:endParaRPr lang="en-US"/>
           </a:p>
@@ -546,7 +546,7 @@
           <a:p>
             <a:fld id="{87350B06-B074-48FC-8CFD-53D2CD8FB95F}" type="slidenum">
               <a:rPr lang="en-US" smtClean="0"/>
-              <a:t>6</a:t>
+              <a:t>5</a:t>
             </a:fld>
             <a:endParaRPr lang="en-US"/>
           </a:p>
@@ -784,7 +784,7 @@
             <a:fld id="{53074F12-AA26-4AC8-9962-C36BB8F32554}" type="datetimeFigureOut">
               <a:rPr lang="en-US" smtClean="0"/>
               <a:pPr/>
-              <a:t>9/24/2019</a:t>
+              <a:t>9/25/2019</a:t>
             </a:fld>
             <a:endParaRPr lang="en-US"/>
           </a:p>
@@ -1038,7 +1038,7 @@
             <a:fld id="{53074F12-AA26-4AC8-9962-C36BB8F32554}" type="datetimeFigureOut">
               <a:rPr lang="en-US" smtClean="0"/>
               <a:pPr/>
-              <a:t>9/24/2019</a:t>
+              <a:t>9/25/2019</a:t>
             </a:fld>
             <a:endParaRPr lang="en-US"/>
           </a:p>
@@ -1208,7 +1208,7 @@
             <a:fld id="{53074F12-AA26-4AC8-9962-C36BB8F32554}" type="datetimeFigureOut">
               <a:rPr lang="en-US" smtClean="0"/>
               <a:pPr/>
-              <a:t>9/24/2019</a:t>
+              <a:t>9/25/2019</a:t>
             </a:fld>
             <a:endParaRPr lang="en-US"/>
           </a:p>
@@ -1388,7 +1388,7 @@
             <a:fld id="{53074F12-AA26-4AC8-9962-C36BB8F32554}" type="datetimeFigureOut">
               <a:rPr lang="en-US" smtClean="0"/>
               <a:pPr/>
-              <a:t>9/24/2019</a:t>
+              <a:t>9/25/2019</a:t>
             </a:fld>
             <a:endParaRPr lang="en-US"/>
           </a:p>
@@ -1670,7 +1670,7 @@
             <a:fld id="{53074F12-AA26-4AC8-9962-C36BB8F32554}" type="datetimeFigureOut">
               <a:rPr lang="en-US" smtClean="0"/>
               <a:pPr/>
-              <a:t>9/24/2019</a:t>
+              <a:t>9/25/2019</a:t>
             </a:fld>
             <a:endParaRPr lang="en-US"/>
           </a:p>
@@ -1917,7 +1917,7 @@
             <a:fld id="{53074F12-AA26-4AC8-9962-C36BB8F32554}" type="datetimeFigureOut">
               <a:rPr lang="en-US" smtClean="0"/>
               <a:pPr/>
-              <a:t>9/24/2019</a:t>
+              <a:t>9/25/2019</a:t>
             </a:fld>
             <a:endParaRPr lang="en-US"/>
           </a:p>
@@ -2164,7 +2164,7 @@
             <a:fld id="{53074F12-AA26-4AC8-9962-C36BB8F32554}" type="datetimeFigureOut">
               <a:rPr lang="en-US" smtClean="0"/>
               <a:pPr/>
-              <a:t>9/24/2019</a:t>
+              <a:t>9/25/2019</a:t>
             </a:fld>
             <a:endParaRPr lang="en-US"/>
           </a:p>
@@ -2451,7 +2451,7 @@
             <a:fld id="{53074F12-AA26-4AC8-9962-C36BB8F32554}" type="datetimeFigureOut">
               <a:rPr lang="en-US" smtClean="0"/>
               <a:pPr/>
-              <a:t>9/24/2019</a:t>
+              <a:t>9/25/2019</a:t>
             </a:fld>
             <a:endParaRPr lang="en-US"/>
           </a:p>
@@ -2938,7 +2938,7 @@
             <a:fld id="{53074F12-AA26-4AC8-9962-C36BB8F32554}" type="datetimeFigureOut">
               <a:rPr lang="en-US" smtClean="0"/>
               <a:pPr/>
-              <a:t>9/24/2019</a:t>
+              <a:t>9/25/2019</a:t>
             </a:fld>
             <a:endParaRPr lang="en-US"/>
           </a:p>
@@ -3057,7 +3057,7 @@
             <a:fld id="{53074F12-AA26-4AC8-9962-C36BB8F32554}" type="datetimeFigureOut">
               <a:rPr lang="en-US" smtClean="0"/>
               <a:pPr/>
-              <a:t>9/24/2019</a:t>
+              <a:t>9/25/2019</a:t>
             </a:fld>
             <a:endParaRPr lang="en-US"/>
           </a:p>
@@ -3154,7 +3154,7 @@
             <a:fld id="{53074F12-AA26-4AC8-9962-C36BB8F32554}" type="datetimeFigureOut">
               <a:rPr lang="en-US" smtClean="0"/>
               <a:pPr/>
-              <a:t>9/24/2019</a:t>
+              <a:t>9/25/2019</a:t>
             </a:fld>
             <a:endParaRPr lang="en-US"/>
           </a:p>
@@ -3431,7 +3431,7 @@
             <a:fld id="{53074F12-AA26-4AC8-9962-C36BB8F32554}" type="datetimeFigureOut">
               <a:rPr lang="en-US" smtClean="0"/>
               <a:pPr/>
-              <a:t>9/24/2019</a:t>
+              <a:t>9/25/2019</a:t>
             </a:fld>
             <a:endParaRPr lang="en-US"/>
           </a:p>
@@ -3653,7 +3653,7 @@
             <a:fld id="{53074F12-AA26-4AC8-9962-C36BB8F32554}" type="datetimeFigureOut">
               <a:rPr lang="en-US" smtClean="0"/>
               <a:pPr/>
-              <a:t>9/24/2019</a:t>
+              <a:t>9/25/2019</a:t>
             </a:fld>
             <a:endParaRPr lang="en-US"/>
           </a:p>
@@ -5073,7 +5073,7 @@
           <p:cNvPr id="2" name="Title 1">
             <a:extLst>
               <a:ext uri="{FF2B5EF4-FFF2-40B4-BE49-F238E27FC236}">
-                <a16:creationId xmlns:a16="http://schemas.microsoft.com/office/drawing/2014/main" id="{8C5E7A3B-E354-4E24-B654-1E898B04E541}"/>
+                <a16:creationId xmlns:a16="http://schemas.microsoft.com/office/drawing/2014/main" id="{D5100A9F-EEDE-4EF9-B699-F17FD97C5CC1}"/>
               </a:ext>
             </a:extLst>
           </p:cNvPr>
@@ -5093,75 +5093,163 @@
           <a:p>
             <a:r>
               <a:rPr lang="en-US" dirty="0"/>
-              <a:t>RELATED WORK BY OTHERS</a:t>
-            </a:r>
-          </a:p>
-        </p:txBody>
-      </p:sp>
-      <p:sp>
-        <p:nvSpPr>
-          <p:cNvPr id="3" name="Content Placeholder 2">
+              <a:t>TASKS FOR EACH MEMBER</a:t>
+            </a:r>
+          </a:p>
+        </p:txBody>
+      </p:sp>
+      <p:sp>
+        <p:nvSpPr>
+          <p:cNvPr id="5" name="Rectangle 1">
             <a:extLst>
               <a:ext uri="{FF2B5EF4-FFF2-40B4-BE49-F238E27FC236}">
-                <a16:creationId xmlns:a16="http://schemas.microsoft.com/office/drawing/2014/main" id="{9CBA49D7-D0D3-499D-B5BB-AA90A16D5D4A}"/>
+                <a16:creationId xmlns:a16="http://schemas.microsoft.com/office/drawing/2014/main" id="{DFF27D27-DCFC-4D27-97F3-1B486270643D}"/>
               </a:ext>
             </a:extLst>
           </p:cNvPr>
           <p:cNvSpPr>
+            <a:spLocks noChangeArrowheads="1"/>
+          </p:cNvSpPr>
+          <p:nvPr/>
+        </p:nvSpPr>
+        <p:spPr bwMode="auto">
+          <a:xfrm>
+            <a:off x="-129260845" y="-316925"/>
+            <a:ext cx="138404845" cy="646331"/>
+          </a:xfrm>
+          <a:prstGeom prst="rect">
+            <a:avLst/>
+          </a:prstGeom>
+          <a:noFill/>
+          <a:ln>
+            <a:noFill/>
+          </a:ln>
+          <a:effectLst/>
+          <a:extLst>
+            <a:ext uri="{909E8E84-426E-40DD-AFC4-6F175D3DCCD1}">
+              <a14:hiddenFill xmlns:a14="http://schemas.microsoft.com/office/drawing/2010/main">
+                <a:solidFill>
+                  <a:schemeClr val="accent1"/>
+                </a:solidFill>
+              </a14:hiddenFill>
+            </a:ext>
+            <a:ext uri="{91240B29-F687-4F45-9708-019B960494DF}">
+              <a14:hiddenLine xmlns:a14="http://schemas.microsoft.com/office/drawing/2010/main" w="9525">
+                <a:solidFill>
+                  <a:schemeClr val="tx1"/>
+                </a:solidFill>
+                <a:miter lim="800000"/>
+                <a:headEnd/>
+                <a:tailEnd/>
+              </a14:hiddenLine>
+            </a:ext>
+            <a:ext uri="{AF507438-7753-43E0-B8FC-AC1667EBCBE1}">
+              <a14:hiddenEffects xmlns:a14="http://schemas.microsoft.com/office/drawing/2010/main">
+                <a:effectLst>
+                  <a:outerShdw dist="35921" dir="2700000" algn="ctr" rotWithShape="0">
+                    <a:schemeClr val="bg2"/>
+                  </a:outerShdw>
+                </a:effectLst>
+              </a14:hiddenEffects>
+            </a:ext>
+          </a:extLst>
+        </p:spPr>
+        <p:txBody>
+          <a:bodyPr vert="horz" wrap="square" lIns="91440" tIns="45720" rIns="91440" bIns="45720" numCol="1" anchor="ctr" anchorCtr="0" compatLnSpc="1">
+            <a:prstTxWarp prst="textNoShape">
+              <a:avLst/>
+            </a:prstTxWarp>
+            <a:spAutoFit/>
+          </a:bodyPr>
+          <a:lstStyle/>
+          <a:p>
+            <a:pPr marL="0" marR="0" lvl="0" indent="0" algn="l" defTabSz="914400" rtl="0" eaLnBrk="0" fontAlgn="base" latinLnBrk="0" hangingPunct="0">
+              <a:lnSpc>
+                <a:spcPct val="100000"/>
+              </a:lnSpc>
+              <a:spcBef>
+                <a:spcPct val="0"/>
+              </a:spcBef>
+              <a:spcAft>
+                <a:spcPct val="0"/>
+              </a:spcAft>
+              <a:buClrTx/>
+              <a:buSzTx/>
+              <a:buFontTx/>
+              <a:buNone/>
+              <a:tabLst/>
+            </a:pPr>
+            <a:br>
+              <a:rPr kumimoji="0" lang="en-US" altLang="en-US" sz="1800" b="0" i="0" u="none" strike="noStrike" cap="none" normalizeH="0" baseline="0">
+                <a:ln>
+                  <a:noFill/>
+                </a:ln>
+                <a:solidFill>
+                  <a:schemeClr val="tx1"/>
+                </a:solidFill>
+                <a:effectLst/>
+                <a:latin typeface="Arial" panose="020B0604020202020204" pitchFamily="34" charset="0"/>
+              </a:rPr>
+            </a:br>
+            <a:endParaRPr kumimoji="0" lang="en-US" altLang="en-US" sz="1800" b="0" i="0" u="none" strike="noStrike" cap="none" normalizeH="0" baseline="0">
+              <a:ln>
+                <a:noFill/>
+              </a:ln>
+              <a:solidFill>
+                <a:schemeClr val="tx1"/>
+              </a:solidFill>
+              <a:effectLst/>
+              <a:latin typeface="Arial" panose="020B0604020202020204" pitchFamily="34" charset="0"/>
+            </a:endParaRPr>
+          </a:p>
+        </p:txBody>
+      </p:sp>
+      <p:sp>
+        <p:nvSpPr>
+          <p:cNvPr id="6" name="Content Placeholder 5">
+            <a:extLst>
+              <a:ext uri="{FF2B5EF4-FFF2-40B4-BE49-F238E27FC236}">
+                <a16:creationId xmlns:a16="http://schemas.microsoft.com/office/drawing/2014/main" id="{3FF41C39-BB7F-4864-9AE5-2169414EE5F9}"/>
+              </a:ext>
+            </a:extLst>
+          </p:cNvPr>
+          <p:cNvSpPr>
             <a:spLocks noGrp="1"/>
           </p:cNvSpPr>
           <p:nvPr>
             <p:ph idx="1"/>
           </p:nvPr>
         </p:nvSpPr>
-        <p:spPr/>
-        <p:txBody>
-          <a:bodyPr/>
+        <p:spPr>
+          <a:xfrm>
+            <a:off x="143555" y="1419673"/>
+            <a:ext cx="8246070" cy="3512210"/>
+          </a:xfrm>
+        </p:spPr>
+        <p:txBody>
+          <a:bodyPr>
+            <a:normAutofit lnSpcReduction="10000"/>
+          </a:bodyPr>
           <a:lstStyle/>
           <a:p>
             <a:r>
               <a:rPr lang="en-US" dirty="0"/>
-              <a:t>Work Insights:</a:t>
-            </a:r>
-          </a:p>
-          <a:p>
-            <a:pPr marL="0" indent="0">
-              <a:buNone/>
-            </a:pPr>
+              <a:t>Each Member of our team is focusing on initial data  analysis and data cleaning while picking different tasks in reaching our final goal of visualization and anomalies prediction.</a:t>
+            </a:r>
+          </a:p>
+          <a:p>
             <a:r>
               <a:rPr lang="en-US" dirty="0"/>
-              <a:t>This is a tool provided by Google itself where  provides detailed metrics on your organization's G Suite usage. </a:t>
-            </a:r>
-          </a:p>
-          <a:p>
-            <a:r>
-              <a:rPr lang="en-US" dirty="0" err="1"/>
-              <a:t>Zoho</a:t>
-            </a:r>
+              <a:t>Lavanya Goluguri: Focusing on Month by Month Analysis on Metrics and parameter values.</a:t>
+            </a:r>
+          </a:p>
+          <a:p>
             <a:r>
               <a:rPr lang="en-US" dirty="0"/>
-              <a:t> Workplace is a fully-featured online office suite</a:t>
-            </a:r>
-          </a:p>
-          <a:p>
-            <a:pPr marL="0" indent="0">
-              <a:buNone/>
-            </a:pPr>
-            <a:r>
-              <a:rPr lang="en-US" dirty="0"/>
-              <a:t>that collaborates on documents, spreadsheets, and presentations and we get insights on it from Zia- AI assistant.</a:t>
-            </a:r>
-          </a:p>
-          <a:p>
-            <a:pPr marL="0" indent="0">
-              <a:buNone/>
-            </a:pPr>
-            <a:endParaRPr lang="en-US" dirty="0"/>
-          </a:p>
-          <a:p>
-            <a:pPr marL="0" indent="0">
-              <a:buNone/>
-            </a:pPr>
+              <a:t>Anusha Vanama : Focusing on Year by year analysis on Metrics and its values.</a:t>
+            </a:r>
+          </a:p>
+          <a:p>
             <a:endParaRPr lang="en-US" dirty="0"/>
           </a:p>
           <a:p>
@@ -5172,7 +5260,7 @@
     </p:spTree>
     <p:extLst>
       <p:ext uri="{BB962C8B-B14F-4D97-AF65-F5344CB8AC3E}">
-        <p14:creationId xmlns:p14="http://schemas.microsoft.com/office/powerpoint/2010/main" val="1391743597"/>
+        <p14:creationId xmlns:p14="http://schemas.microsoft.com/office/powerpoint/2010/main" val="1072490187"/>
       </p:ext>
     </p:extLst>
   </p:cSld>
@@ -5201,199 +5289,128 @@
       </p:grpSpPr>
       <p:sp>
         <p:nvSpPr>
-          <p:cNvPr id="2" name="Title 1">
-            <a:extLst>
-              <a:ext uri="{FF2B5EF4-FFF2-40B4-BE49-F238E27FC236}">
-                <a16:creationId xmlns:a16="http://schemas.microsoft.com/office/drawing/2014/main" id="{D5100A9F-EEDE-4EF9-B699-F17FD97C5CC1}"/>
-              </a:ext>
-            </a:extLst>
-          </p:cNvPr>
-          <p:cNvSpPr>
+          <p:cNvPr id="146" name="Title 1"/>
+          <p:cNvSpPr txBox="1">
             <a:spLocks noGrp="1"/>
           </p:cNvSpPr>
           <p:nvPr>
             <p:ph type="title"/>
           </p:nvPr>
         </p:nvSpPr>
-        <p:spPr/>
-        <p:txBody>
-          <a:bodyPr>
-            <a:normAutofit fontScale="90000"/>
-          </a:bodyPr>
-          <a:lstStyle/>
-          <a:p>
-            <a:r>
-              <a:rPr lang="en-US" dirty="0"/>
-              <a:t>TASKS FOR EACH MEMBER</a:t>
-            </a:r>
-          </a:p>
-        </p:txBody>
-      </p:sp>
-      <p:sp>
-        <p:nvSpPr>
-          <p:cNvPr id="5" name="Rectangle 1">
-            <a:extLst>
-              <a:ext uri="{FF2B5EF4-FFF2-40B4-BE49-F238E27FC236}">
-                <a16:creationId xmlns:a16="http://schemas.microsoft.com/office/drawing/2014/main" id="{DFF27D27-DCFC-4D27-97F3-1B486270643D}"/>
-              </a:ext>
-            </a:extLst>
-          </p:cNvPr>
-          <p:cNvSpPr>
-            <a:spLocks noChangeArrowheads="1"/>
-          </p:cNvSpPr>
-          <p:nvPr/>
-        </p:nvSpPr>
-        <p:spPr bwMode="auto">
+        <p:spPr>
           <a:xfrm>
-            <a:off x="-129260845" y="-316925"/>
-            <a:ext cx="138404845" cy="646331"/>
+            <a:off x="448964" y="281174"/>
+            <a:ext cx="8246072" cy="610822"/>
           </a:xfrm>
           <a:prstGeom prst="rect">
             <a:avLst/>
           </a:prstGeom>
-          <a:noFill/>
-          <a:ln>
-            <a:noFill/>
+        </p:spPr>
+        <p:txBody>
+          <a:bodyPr/>
+          <a:lstStyle>
+            <a:lvl1pPr>
+              <a:defRPr sz="3200"/>
+            </a:lvl1pPr>
+          </a:lstStyle>
+          <a:p>
+            <a:r>
+              <a:t>TASKS FOR EACH MEMBER</a:t>
+            </a:r>
+          </a:p>
+        </p:txBody>
+      </p:sp>
+      <p:sp>
+        <p:nvSpPr>
+          <p:cNvPr id="147" name="Rectangle 1"/>
+          <p:cNvSpPr txBox="1"/>
+          <p:nvPr/>
+        </p:nvSpPr>
+        <p:spPr>
+          <a:xfrm>
+            <a:off x="-129260849" y="-302441"/>
+            <a:ext cx="138404849" cy="617363"/>
+          </a:xfrm>
+          <a:prstGeom prst="rect">
+            <a:avLst/>
+          </a:prstGeom>
+          <a:ln w="12700">
+            <a:miter lim="400000"/>
           </a:ln>
-          <a:effectLst/>
           <a:extLst>
-            <a:ext uri="{909E8E84-426E-40DD-AFC4-6F175D3DCCD1}">
-              <a14:hiddenFill xmlns:a14="http://schemas.microsoft.com/office/drawing/2010/main">
-                <a:solidFill>
-                  <a:schemeClr val="accent1"/>
-                </a:solidFill>
-              </a14:hiddenFill>
-            </a:ext>
-            <a:ext uri="{91240B29-F687-4F45-9708-019B960494DF}">
-              <a14:hiddenLine xmlns:a14="http://schemas.microsoft.com/office/drawing/2010/main" w="9525">
-                <a:solidFill>
-                  <a:schemeClr val="tx1"/>
-                </a:solidFill>
-                <a:miter lim="800000"/>
-                <a:headEnd/>
-                <a:tailEnd/>
-              </a14:hiddenLine>
-            </a:ext>
-            <a:ext uri="{AF507438-7753-43E0-B8FC-AC1667EBCBE1}">
-              <a14:hiddenEffects xmlns:a14="http://schemas.microsoft.com/office/drawing/2010/main">
-                <a:effectLst>
-                  <a:outerShdw dist="35921" dir="2700000" algn="ctr" rotWithShape="0">
-                    <a:schemeClr val="bg2"/>
-                  </a:outerShdw>
-                </a:effectLst>
-              </a14:hiddenEffects>
+            <a:ext uri="{C572A759-6A51-4108-AA02-DFA0A04FC94B}">
+              <ma14:wrappingTextBoxFlag xmlns:ma14="http://schemas.microsoft.com/office/mac/drawingml/2011/main" xmlns:a14="http://schemas.microsoft.com/office/drawing/2010/main" xmlns:m="http://schemas.openxmlformats.org/officeDocument/2006/math" xmlns="" val="1"/>
             </a:ext>
           </a:extLst>
         </p:spPr>
         <p:txBody>
-          <a:bodyPr vert="horz" wrap="square" lIns="91440" tIns="45720" rIns="91440" bIns="45720" numCol="1" anchor="ctr" anchorCtr="0" compatLnSpc="1">
-            <a:prstTxWarp prst="textNoShape">
-              <a:avLst/>
-            </a:prstTxWarp>
+          <a:bodyPr lIns="45719" rIns="45719" anchor="ctr">
             <a:spAutoFit/>
           </a:bodyPr>
-          <a:lstStyle/>
-          <a:p>
-            <a:pPr marL="0" marR="0" lvl="0" indent="0" algn="l" defTabSz="914400" rtl="0" eaLnBrk="0" fontAlgn="base" latinLnBrk="0" hangingPunct="0">
-              <a:lnSpc>
-                <a:spcPct val="100000"/>
-              </a:lnSpc>
-              <a:spcBef>
-                <a:spcPct val="0"/>
-              </a:spcBef>
-              <a:spcAft>
-                <a:spcPct val="0"/>
-              </a:spcAft>
-              <a:buClrTx/>
-              <a:buSzTx/>
-              <a:buFontTx/>
-              <a:buNone/>
-              <a:tabLst/>
-            </a:pPr>
-            <a:br>
-              <a:rPr kumimoji="0" lang="en-US" altLang="en-US" sz="1800" b="0" i="0" u="none" strike="noStrike" cap="none" normalizeH="0" baseline="0">
-                <a:ln>
-                  <a:noFill/>
-                </a:ln>
-                <a:solidFill>
-                  <a:schemeClr val="tx1"/>
-                </a:solidFill>
-                <a:effectLst/>
-                <a:latin typeface="Arial" panose="020B0604020202020204" pitchFamily="34" charset="0"/>
-              </a:rPr>
-            </a:br>
-            <a:endParaRPr kumimoji="0" lang="en-US" altLang="en-US" sz="1800" b="0" i="0" u="none" strike="noStrike" cap="none" normalizeH="0" baseline="0">
-              <a:ln>
-                <a:noFill/>
-              </a:ln>
-              <a:solidFill>
-                <a:schemeClr val="tx1"/>
-              </a:solidFill>
-              <a:effectLst/>
-              <a:latin typeface="Arial" panose="020B0604020202020204" pitchFamily="34" charset="0"/>
-            </a:endParaRPr>
-          </a:p>
-        </p:txBody>
-      </p:sp>
-      <p:sp>
-        <p:nvSpPr>
-          <p:cNvPr id="6" name="Content Placeholder 5">
-            <a:extLst>
-              <a:ext uri="{FF2B5EF4-FFF2-40B4-BE49-F238E27FC236}">
-                <a16:creationId xmlns:a16="http://schemas.microsoft.com/office/drawing/2014/main" id="{3FF41C39-BB7F-4864-9AE5-2169414EE5F9}"/>
-              </a:ext>
-            </a:extLst>
-          </p:cNvPr>
-          <p:cNvSpPr>
-            <a:spLocks noGrp="1"/>
-          </p:cNvSpPr>
-          <p:nvPr>
-            <p:ph idx="1"/>
+          <a:lstStyle>
+            <a:lvl1pPr>
+              <a:defRPr>
+                <a:latin typeface="Arial"/>
+                <a:ea typeface="Arial"/>
+                <a:cs typeface="Arial"/>
+                <a:sym typeface="Arial"/>
+              </a:defRPr>
+            </a:lvl1pPr>
+          </a:lstStyle>
+          <a:p>
+            <a:br/>
+            <a:endParaRPr/>
+          </a:p>
+        </p:txBody>
+      </p:sp>
+      <p:sp>
+        <p:nvSpPr>
+          <p:cNvPr id="148" name="Content Placeholder 5"/>
+          <p:cNvSpPr txBox="1">
+            <a:spLocks noGrp="1"/>
+          </p:cNvSpPr>
+          <p:nvPr>
+            <p:ph type="body" idx="1"/>
           </p:nvPr>
         </p:nvSpPr>
         <p:spPr>
           <a:xfrm>
-            <a:off x="143555" y="1419673"/>
-            <a:ext cx="8246070" cy="3512210"/>
+            <a:off x="143554" y="1419673"/>
+            <a:ext cx="8246072" cy="3512211"/>
           </a:xfrm>
+          <a:prstGeom prst="rect">
+            <a:avLst/>
+          </a:prstGeom>
         </p:spPr>
         <p:txBody>
-          <a:bodyPr>
-            <a:normAutofit lnSpcReduction="10000"/>
-          </a:bodyPr>
-          <a:lstStyle/>
-          <a:p>
+          <a:bodyPr/>
+          <a:lstStyle/>
+          <a:p>
+            <a:r>
+              <a:rPr dirty="0"/>
+              <a:t>Jackie Cuong: Focuses on week wise Analysis on Metrics and parameter values.</a:t>
+            </a:r>
+          </a:p>
+          <a:p>
+            <a:r>
+              <a:rPr dirty="0"/>
+              <a:t>Henry Reichard: Focuses on Semester analysis on Metrics and its values.</a:t>
+            </a:r>
+          </a:p>
+          <a:p>
+            <a:r>
+              <a:rPr dirty="0"/>
+              <a:t>Hieu Vo: Focuses on day by day analysis</a:t>
+            </a:r>
             <a:r>
               <a:rPr lang="en-US" dirty="0"/>
-              <a:t>Each Member of our team is focusing on initial data  analysis and data cleaning while picking different tasks in reaching our final goal of visualization and anomalies prediction.</a:t>
-            </a:r>
-          </a:p>
-          <a:p>
-            <a:r>
-              <a:rPr lang="en-US" dirty="0"/>
-              <a:t>Lavanya Goluguri: Focusing on Month by Month Analysis on Metrics and parameter values.</a:t>
-            </a:r>
-          </a:p>
-          <a:p>
-            <a:r>
-              <a:rPr lang="en-US" dirty="0"/>
-              <a:t>Anusha Vanama : Focusing on Year by year analysis on Metrics and its values.</a:t>
-            </a:r>
-          </a:p>
-          <a:p>
-            <a:endParaRPr lang="en-US" dirty="0"/>
-          </a:p>
-          <a:p>
-            <a:endParaRPr lang="en-US" dirty="0"/>
+              <a:t>.</a:t>
+            </a:r>
+            <a:endParaRPr dirty="0"/>
           </a:p>
         </p:txBody>
       </p:sp>
     </p:spTree>
-    <p:extLst>
-      <p:ext uri="{BB962C8B-B14F-4D97-AF65-F5344CB8AC3E}">
-        <p14:creationId xmlns:p14="http://schemas.microsoft.com/office/powerpoint/2010/main" val="1072490187"/>
-      </p:ext>
-    </p:extLst>
   </p:cSld>
   <p:clrMapOvr>
     <a:masterClrMapping/>
@@ -5420,128 +5437,137 @@
       </p:grpSpPr>
       <p:sp>
         <p:nvSpPr>
-          <p:cNvPr id="146" name="Title 1"/>
-          <p:cNvSpPr txBox="1">
+          <p:cNvPr id="2" name="Title 1">
+            <a:extLst>
+              <a:ext uri="{FF2B5EF4-FFF2-40B4-BE49-F238E27FC236}">
+                <a16:creationId xmlns:a16="http://schemas.microsoft.com/office/drawing/2014/main" id="{8C5E7A3B-E354-4E24-B654-1E898B04E541}"/>
+              </a:ext>
+            </a:extLst>
+          </p:cNvPr>
+          <p:cNvSpPr>
             <a:spLocks noGrp="1"/>
           </p:cNvSpPr>
           <p:nvPr>
             <p:ph type="title"/>
           </p:nvPr>
         </p:nvSpPr>
-        <p:spPr>
-          <a:xfrm>
-            <a:off x="448964" y="281174"/>
-            <a:ext cx="8246072" cy="610822"/>
-          </a:xfrm>
-          <a:prstGeom prst="rect">
-            <a:avLst/>
-          </a:prstGeom>
-        </p:spPr>
-        <p:txBody>
-          <a:bodyPr/>
-          <a:lstStyle>
-            <a:lvl1pPr>
-              <a:defRPr sz="3200"/>
-            </a:lvl1pPr>
-          </a:lstStyle>
-          <a:p>
-            <a:r>
-              <a:t>TASKS FOR EACH MEMBER</a:t>
-            </a:r>
-          </a:p>
-        </p:txBody>
-      </p:sp>
-      <p:sp>
-        <p:nvSpPr>
-          <p:cNvPr id="147" name="Rectangle 1"/>
-          <p:cNvSpPr txBox="1"/>
-          <p:nvPr/>
-        </p:nvSpPr>
-        <p:spPr>
-          <a:xfrm>
-            <a:off x="-129260849" y="-302441"/>
-            <a:ext cx="138404849" cy="617363"/>
-          </a:xfrm>
-          <a:prstGeom prst="rect">
-            <a:avLst/>
-          </a:prstGeom>
-          <a:ln w="12700">
-            <a:miter lim="400000"/>
-          </a:ln>
-          <a:extLst>
-            <a:ext uri="{C572A759-6A51-4108-AA02-DFA0A04FC94B}">
-              <ma14:wrappingTextBoxFlag xmlns="" xmlns:m="http://schemas.openxmlformats.org/officeDocument/2006/math" xmlns:a14="http://schemas.microsoft.com/office/drawing/2010/main" xmlns:ma14="http://schemas.microsoft.com/office/mac/drawingml/2011/main" val="1"/>
-            </a:ext>
-          </a:extLst>
-        </p:spPr>
-        <p:txBody>
-          <a:bodyPr lIns="45719" rIns="45719" anchor="ctr">
-            <a:spAutoFit/>
+        <p:spPr/>
+        <p:txBody>
+          <a:bodyPr>
+            <a:normAutofit fontScale="90000"/>
           </a:bodyPr>
-          <a:lstStyle>
-            <a:lvl1pPr>
-              <a:defRPr>
-                <a:latin typeface="Arial"/>
-                <a:ea typeface="Arial"/>
-                <a:cs typeface="Arial"/>
-                <a:sym typeface="Arial"/>
-              </a:defRPr>
-            </a:lvl1pPr>
-          </a:lstStyle>
-          <a:p>
-            <a:br/>
-            <a:endParaRPr/>
-          </a:p>
-        </p:txBody>
-      </p:sp>
-      <p:sp>
-        <p:nvSpPr>
-          <p:cNvPr id="148" name="Content Placeholder 5"/>
-          <p:cNvSpPr txBox="1">
-            <a:spLocks noGrp="1"/>
-          </p:cNvSpPr>
-          <p:nvPr>
-            <p:ph type="body" idx="1"/>
-          </p:nvPr>
-        </p:nvSpPr>
-        <p:spPr>
-          <a:xfrm>
-            <a:off x="143554" y="1419673"/>
-            <a:ext cx="8246072" cy="3512211"/>
-          </a:xfrm>
-          <a:prstGeom prst="rect">
-            <a:avLst/>
-          </a:prstGeom>
-        </p:spPr>
-        <p:txBody>
-          <a:bodyPr/>
-          <a:lstStyle/>
-          <a:p>
-            <a:r>
-              <a:rPr dirty="0"/>
-              <a:t>Jackie Cuong: Focuses on week wise Analysis on Metrics and parameter values.</a:t>
-            </a:r>
-          </a:p>
-          <a:p>
-            <a:r>
-              <a:rPr dirty="0"/>
-              <a:t>Henry Reichard: Focuses on Semester analysis on Metrics and its values.</a:t>
-            </a:r>
-          </a:p>
-          <a:p>
-            <a:r>
-              <a:rPr dirty="0"/>
-              <a:t>Hieu Vo: Focuses on day by day analysis</a:t>
-            </a:r>
+          <a:lstStyle/>
+          <a:p>
             <a:r>
               <a:rPr lang="en-US" dirty="0"/>
-              <a:t>.</a:t>
-            </a:r>
-            <a:endParaRPr dirty="0"/>
+              <a:t>RELATED WORK BY OTHERS</a:t>
+            </a:r>
+          </a:p>
+        </p:txBody>
+      </p:sp>
+      <p:sp>
+        <p:nvSpPr>
+          <p:cNvPr id="3" name="Content Placeholder 2">
+            <a:extLst>
+              <a:ext uri="{FF2B5EF4-FFF2-40B4-BE49-F238E27FC236}">
+                <a16:creationId xmlns:a16="http://schemas.microsoft.com/office/drawing/2014/main" id="{9CBA49D7-D0D3-499D-B5BB-AA90A16D5D4A}"/>
+              </a:ext>
+            </a:extLst>
+          </p:cNvPr>
+          <p:cNvSpPr>
+            <a:spLocks noGrp="1"/>
+          </p:cNvSpPr>
+          <p:nvPr>
+            <p:ph idx="1"/>
+          </p:nvPr>
+        </p:nvSpPr>
+        <p:spPr/>
+        <p:txBody>
+          <a:bodyPr>
+            <a:normAutofit fontScale="85000" lnSpcReduction="10000"/>
+          </a:bodyPr>
+          <a:lstStyle/>
+          <a:p>
+            <a:r>
+              <a:rPr lang="en-US" dirty="0"/>
+              <a:t>Work Insights:</a:t>
+            </a:r>
+          </a:p>
+          <a:p>
+            <a:pPr marL="0" indent="0">
+              <a:buNone/>
+            </a:pPr>
+            <a:r>
+              <a:rPr lang="en-US" dirty="0"/>
+              <a:t>This is a tool provided by Google itself where  provides detailed metrics on your organization's G Suite usage. </a:t>
+            </a:r>
+          </a:p>
+          <a:p>
+            <a:pPr marL="0" indent="0">
+              <a:buNone/>
+            </a:pPr>
+            <a:r>
+              <a:rPr lang="en-US" dirty="0">
+                <a:hlinkClick r:id="rId2"/>
+              </a:rPr>
+              <a:t>https://gsuite.google.com/products/workinsights/</a:t>
+            </a:r>
+            <a:endParaRPr lang="en-US" dirty="0"/>
+          </a:p>
+          <a:p>
+            <a:r>
+              <a:rPr lang="en-US" dirty="0" err="1"/>
+              <a:t>Zoho</a:t>
+            </a:r>
+            <a:r>
+              <a:rPr lang="en-US" dirty="0"/>
+              <a:t> Workplace is a fully-featured online office suite</a:t>
+            </a:r>
+          </a:p>
+          <a:p>
+            <a:pPr marL="0" indent="0">
+              <a:buNone/>
+            </a:pPr>
+            <a:r>
+              <a:rPr lang="en-US" dirty="0"/>
+              <a:t>that collaborates on documents, spreadsheets, and presentations and we get insights on it from Zia- AI assistant.</a:t>
+            </a:r>
+          </a:p>
+          <a:p>
+            <a:pPr marL="0" indent="0">
+              <a:buNone/>
+            </a:pPr>
+            <a:r>
+              <a:rPr lang="en-US">
+                <a:hlinkClick r:id="rId3"/>
+              </a:rPr>
+              <a:t>https://www.zoho.com/workplace/?src=top-header&amp;ireft=One</a:t>
+            </a:r>
+            <a:endParaRPr lang="en-US" dirty="0"/>
+          </a:p>
+          <a:p>
+            <a:pPr marL="0" indent="0">
+              <a:buNone/>
+            </a:pPr>
+            <a:endParaRPr lang="en-US" dirty="0"/>
+          </a:p>
+          <a:p>
+            <a:pPr marL="0" indent="0">
+              <a:buNone/>
+            </a:pPr>
+            <a:endParaRPr lang="en-US" dirty="0"/>
+          </a:p>
+          <a:p>
+            <a:endParaRPr lang="en-US" dirty="0"/>
           </a:p>
         </p:txBody>
       </p:sp>
     </p:spTree>
+    <p:extLst>
+      <p:ext uri="{BB962C8B-B14F-4D97-AF65-F5344CB8AC3E}">
+        <p14:creationId xmlns:p14="http://schemas.microsoft.com/office/powerpoint/2010/main" val="2176992905"/>
+      </p:ext>
+    </p:extLst>
   </p:cSld>
   <p:clrMapOvr>
     <a:masterClrMapping/>
